--- a/img/parsing_full.pptx
+++ b/img/parsing_full.pptx
@@ -2,7 +2,7 @@
 <file path=ppt/presentation.xml><?xml version="1.0" encoding="utf-8"?>
 <p:presentation xmlns:a="http://schemas.openxmlformats.org/drawingml/2006/main" xmlns:r="http://schemas.openxmlformats.org/officeDocument/2006/relationships" xmlns:p="http://schemas.openxmlformats.org/presentationml/2006/main" saveSubsetFonts="1" autoCompressPictures="0">
   <p:sldMasterIdLst>
-    <p:sldMasterId id="2147483672" r:id="rId1"/>
+    <p:sldMasterId id="2147483684" r:id="rId1"/>
   </p:sldMasterIdLst>
   <p:notesMasterIdLst>
     <p:notesMasterId r:id="rId3"/>
@@ -10,7 +10,7 @@
   <p:sldIdLst>
     <p:sldId id="257" r:id="rId2"/>
   </p:sldIdLst>
-  <p:sldSz cx="6858000" cy="8467725"/>
+  <p:sldSz cx="6858000" cy="8640763"/>
   <p:notesSz cx="6858000" cy="9144000"/>
   <p:defaultTextStyle>
     <a:defPPr>
@@ -196,7 +196,7 @@
           </a:lstStyle>
           <a:p>
             <a:fld id="{DBBCEBCE-5CB0-5A4F-8EA0-EC89FF6ADD12}" type="datetimeFigureOut">
-              <a:t>11.08.20</a:t>
+              <a:t>18.08.20</a:t>
             </a:fld>
             <a:endParaRPr lang="de-DE"/>
           </a:p>
@@ -214,8 +214,8 @@
         </p:nvSpPr>
         <p:spPr>
           <a:xfrm>
-            <a:off x="2179638" y="1143000"/>
-            <a:ext cx="2498725" cy="3086100"/>
+            <a:off x="2205038" y="1143000"/>
+            <a:ext cx="2447925" cy="3086100"/>
           </a:xfrm>
           <a:prstGeom prst="rect">
             <a:avLst/>
@@ -492,8 +492,8 @@
         </p:nvSpPr>
         <p:spPr>
           <a:xfrm>
-            <a:off x="2179638" y="1143000"/>
-            <a:ext cx="2498725" cy="3086100"/>
+            <a:off x="2205038" y="1143000"/>
+            <a:ext cx="2447925" cy="3086100"/>
           </a:xfrm>
         </p:spPr>
       </p:sp>
@@ -580,8 +580,8 @@
         </p:nvSpPr>
         <p:spPr>
           <a:xfrm>
-            <a:off x="514350" y="1385806"/>
-            <a:ext cx="5829300" cy="2948023"/>
+            <a:off x="514350" y="1414125"/>
+            <a:ext cx="5829300" cy="3008266"/>
           </a:xfrm>
         </p:spPr>
         <p:txBody>
@@ -612,8 +612,8 @@
         </p:nvSpPr>
         <p:spPr>
           <a:xfrm>
-            <a:off x="857250" y="4447516"/>
-            <a:ext cx="5143500" cy="2044406"/>
+            <a:off x="857250" y="4538401"/>
+            <a:ext cx="5143500" cy="2086184"/>
           </a:xfrm>
         </p:spPr>
         <p:txBody>
@@ -681,7 +681,7 @@
           <a:lstStyle/>
           <a:p>
             <a:fld id="{2A00A408-0677-9D41-8541-E3453844B1F4}" type="datetimeFigureOut">
-              <a:t>11.08.20</a:t>
+              <a:t>18.08.20</a:t>
             </a:fld>
             <a:endParaRPr lang="en-US"/>
           </a:p>
@@ -732,7 +732,7 @@
     </p:spTree>
     <p:extLst>
       <p:ext uri="{BB962C8B-B14F-4D97-AF65-F5344CB8AC3E}">
-        <p14:creationId xmlns:p14="http://schemas.microsoft.com/office/powerpoint/2010/main" val="4000166257"/>
+        <p14:creationId xmlns:p14="http://schemas.microsoft.com/office/powerpoint/2010/main" val="566355737"/>
       </p:ext>
     </p:extLst>
   </p:cSld>
@@ -850,7 +850,7 @@
           <a:lstStyle/>
           <a:p>
             <a:fld id="{2A00A408-0677-9D41-8541-E3453844B1F4}" type="datetimeFigureOut">
-              <a:t>11.08.20</a:t>
+              <a:t>18.08.20</a:t>
             </a:fld>
             <a:endParaRPr lang="en-US"/>
           </a:p>
@@ -901,7 +901,7 @@
     </p:spTree>
     <p:extLst>
       <p:ext uri="{BB962C8B-B14F-4D97-AF65-F5344CB8AC3E}">
-        <p14:creationId xmlns:p14="http://schemas.microsoft.com/office/powerpoint/2010/main" val="1562451556"/>
+        <p14:creationId xmlns:p14="http://schemas.microsoft.com/office/powerpoint/2010/main" val="2932381359"/>
       </p:ext>
     </p:extLst>
   </p:cSld>
@@ -940,8 +940,8 @@
         </p:nvSpPr>
         <p:spPr>
           <a:xfrm>
-            <a:off x="4907757" y="450828"/>
-            <a:ext cx="1478756" cy="7176006"/>
+            <a:off x="4907757" y="460041"/>
+            <a:ext cx="1478756" cy="7322647"/>
           </a:xfrm>
         </p:spPr>
         <p:txBody>
@@ -968,8 +968,8 @@
         </p:nvSpPr>
         <p:spPr>
           <a:xfrm>
-            <a:off x="471488" y="450828"/>
-            <a:ext cx="4350544" cy="7176006"/>
+            <a:off x="471488" y="460041"/>
+            <a:ext cx="4350544" cy="7322647"/>
           </a:xfrm>
         </p:spPr>
         <p:txBody>
@@ -1029,7 +1029,7 @@
           <a:lstStyle/>
           <a:p>
             <a:fld id="{2A00A408-0677-9D41-8541-E3453844B1F4}" type="datetimeFigureOut">
-              <a:t>11.08.20</a:t>
+              <a:t>18.08.20</a:t>
             </a:fld>
             <a:endParaRPr lang="en-US"/>
           </a:p>
@@ -1080,7 +1080,7 @@
     </p:spTree>
     <p:extLst>
       <p:ext uri="{BB962C8B-B14F-4D97-AF65-F5344CB8AC3E}">
-        <p14:creationId xmlns:p14="http://schemas.microsoft.com/office/powerpoint/2010/main" val="269210590"/>
+        <p14:creationId xmlns:p14="http://schemas.microsoft.com/office/powerpoint/2010/main" val="3872165834"/>
       </p:ext>
     </p:extLst>
   </p:cSld>
@@ -1198,7 +1198,7 @@
           <a:lstStyle/>
           <a:p>
             <a:fld id="{2A00A408-0677-9D41-8541-E3453844B1F4}" type="datetimeFigureOut">
-              <a:t>11.08.20</a:t>
+              <a:t>18.08.20</a:t>
             </a:fld>
             <a:endParaRPr lang="en-US"/>
           </a:p>
@@ -1249,7 +1249,7 @@
     </p:spTree>
     <p:extLst>
       <p:ext uri="{BB962C8B-B14F-4D97-AF65-F5344CB8AC3E}">
-        <p14:creationId xmlns:p14="http://schemas.microsoft.com/office/powerpoint/2010/main" val="3368465589"/>
+        <p14:creationId xmlns:p14="http://schemas.microsoft.com/office/powerpoint/2010/main" val="193587543"/>
       </p:ext>
     </p:extLst>
   </p:cSld>
@@ -1288,8 +1288,8 @@
         </p:nvSpPr>
         <p:spPr>
           <a:xfrm>
-            <a:off x="467916" y="2111053"/>
-            <a:ext cx="5915025" cy="3522338"/>
+            <a:off x="467916" y="2154193"/>
+            <a:ext cx="5915025" cy="3594317"/>
           </a:xfrm>
         </p:spPr>
         <p:txBody>
@@ -1320,8 +1320,8 @@
         </p:nvSpPr>
         <p:spPr>
           <a:xfrm>
-            <a:off x="467916" y="5666714"/>
-            <a:ext cx="5915025" cy="1852314"/>
+            <a:off x="467916" y="5782513"/>
+            <a:ext cx="5915025" cy="1890166"/>
           </a:xfrm>
         </p:spPr>
         <p:txBody>
@@ -1441,7 +1441,7 @@
           <a:lstStyle/>
           <a:p>
             <a:fld id="{2A00A408-0677-9D41-8541-E3453844B1F4}" type="datetimeFigureOut">
-              <a:t>11.08.20</a:t>
+              <a:t>18.08.20</a:t>
             </a:fld>
             <a:endParaRPr lang="en-US"/>
           </a:p>
@@ -1492,7 +1492,7 @@
     </p:spTree>
     <p:extLst>
       <p:ext uri="{BB962C8B-B14F-4D97-AF65-F5344CB8AC3E}">
-        <p14:creationId xmlns:p14="http://schemas.microsoft.com/office/powerpoint/2010/main" val="4159635843"/>
+        <p14:creationId xmlns:p14="http://schemas.microsoft.com/office/powerpoint/2010/main" val="3080341224"/>
       </p:ext>
     </p:extLst>
   </p:cSld>
@@ -1554,8 +1554,8 @@
         </p:nvSpPr>
         <p:spPr>
           <a:xfrm>
-            <a:off x="471488" y="2254140"/>
-            <a:ext cx="2914650" cy="5372694"/>
+            <a:off x="471488" y="2300203"/>
+            <a:ext cx="2914650" cy="5482485"/>
           </a:xfrm>
         </p:spPr>
         <p:txBody>
@@ -1611,8 +1611,8 @@
         </p:nvSpPr>
         <p:spPr>
           <a:xfrm>
-            <a:off x="3471863" y="2254140"/>
-            <a:ext cx="2914650" cy="5372694"/>
+            <a:off x="3471863" y="2300203"/>
+            <a:ext cx="2914650" cy="5482485"/>
           </a:xfrm>
         </p:spPr>
         <p:txBody>
@@ -1672,7 +1672,7 @@
           <a:lstStyle/>
           <a:p>
             <a:fld id="{2A00A408-0677-9D41-8541-E3453844B1F4}" type="datetimeFigureOut">
-              <a:t>11.08.20</a:t>
+              <a:t>18.08.20</a:t>
             </a:fld>
             <a:endParaRPr lang="en-US"/>
           </a:p>
@@ -1723,7 +1723,7 @@
     </p:spTree>
     <p:extLst>
       <p:ext uri="{BB962C8B-B14F-4D97-AF65-F5344CB8AC3E}">
-        <p14:creationId xmlns:p14="http://schemas.microsoft.com/office/powerpoint/2010/main" val="1595548831"/>
+        <p14:creationId xmlns:p14="http://schemas.microsoft.com/office/powerpoint/2010/main" val="1801136211"/>
       </p:ext>
     </p:extLst>
   </p:cSld>
@@ -1762,8 +1762,8 @@
         </p:nvSpPr>
         <p:spPr>
           <a:xfrm>
-            <a:off x="472381" y="450830"/>
-            <a:ext cx="5915025" cy="1636702"/>
+            <a:off x="472381" y="460043"/>
+            <a:ext cx="5915025" cy="1670148"/>
           </a:xfrm>
         </p:spPr>
         <p:txBody>
@@ -1790,8 +1790,8 @@
         </p:nvSpPr>
         <p:spPr>
           <a:xfrm>
-            <a:off x="472381" y="2075770"/>
-            <a:ext cx="2901255" cy="1017302"/>
+            <a:off x="472381" y="2118188"/>
+            <a:ext cx="2901255" cy="1038091"/>
           </a:xfrm>
         </p:spPr>
         <p:txBody>
@@ -1855,8 +1855,8 @@
         </p:nvSpPr>
         <p:spPr>
           <a:xfrm>
-            <a:off x="472381" y="3093072"/>
-            <a:ext cx="2901255" cy="4549443"/>
+            <a:off x="472381" y="3156278"/>
+            <a:ext cx="2901255" cy="4642411"/>
           </a:xfrm>
         </p:spPr>
         <p:txBody>
@@ -1912,8 +1912,8 @@
         </p:nvSpPr>
         <p:spPr>
           <a:xfrm>
-            <a:off x="3471863" y="2075770"/>
-            <a:ext cx="2915543" cy="1017302"/>
+            <a:off x="3471863" y="2118188"/>
+            <a:ext cx="2915543" cy="1038091"/>
           </a:xfrm>
         </p:spPr>
         <p:txBody>
@@ -1977,8 +1977,8 @@
         </p:nvSpPr>
         <p:spPr>
           <a:xfrm>
-            <a:off x="3471863" y="3093072"/>
-            <a:ext cx="2915543" cy="4549443"/>
+            <a:off x="3471863" y="3156278"/>
+            <a:ext cx="2915543" cy="4642411"/>
           </a:xfrm>
         </p:spPr>
         <p:txBody>
@@ -2038,7 +2038,7 @@
           <a:lstStyle/>
           <a:p>
             <a:fld id="{2A00A408-0677-9D41-8541-E3453844B1F4}" type="datetimeFigureOut">
-              <a:t>11.08.20</a:t>
+              <a:t>18.08.20</a:t>
             </a:fld>
             <a:endParaRPr lang="en-US"/>
           </a:p>
@@ -2089,7 +2089,7 @@
     </p:spTree>
     <p:extLst>
       <p:ext uri="{BB962C8B-B14F-4D97-AF65-F5344CB8AC3E}">
-        <p14:creationId xmlns:p14="http://schemas.microsoft.com/office/powerpoint/2010/main" val="4233395733"/>
+        <p14:creationId xmlns:p14="http://schemas.microsoft.com/office/powerpoint/2010/main" val="1789859484"/>
       </p:ext>
     </p:extLst>
   </p:cSld>
@@ -2155,7 +2155,7 @@
           <a:lstStyle/>
           <a:p>
             <a:fld id="{2A00A408-0677-9D41-8541-E3453844B1F4}" type="datetimeFigureOut">
-              <a:t>11.08.20</a:t>
+              <a:t>18.08.20</a:t>
             </a:fld>
             <a:endParaRPr lang="en-US"/>
           </a:p>
@@ -2206,7 +2206,7 @@
     </p:spTree>
     <p:extLst>
       <p:ext uri="{BB962C8B-B14F-4D97-AF65-F5344CB8AC3E}">
-        <p14:creationId xmlns:p14="http://schemas.microsoft.com/office/powerpoint/2010/main" val="1524400130"/>
+        <p14:creationId xmlns:p14="http://schemas.microsoft.com/office/powerpoint/2010/main" val="2258228748"/>
       </p:ext>
     </p:extLst>
   </p:cSld>
@@ -2249,7 +2249,7 @@
           <a:lstStyle/>
           <a:p>
             <a:fld id="{2A00A408-0677-9D41-8541-E3453844B1F4}" type="datetimeFigureOut">
-              <a:t>11.08.20</a:t>
+              <a:t>18.08.20</a:t>
             </a:fld>
             <a:endParaRPr lang="en-US"/>
           </a:p>
@@ -2300,7 +2300,7 @@
     </p:spTree>
     <p:extLst>
       <p:ext uri="{BB962C8B-B14F-4D97-AF65-F5344CB8AC3E}">
-        <p14:creationId xmlns:p14="http://schemas.microsoft.com/office/powerpoint/2010/main" val="104003243"/>
+        <p14:creationId xmlns:p14="http://schemas.microsoft.com/office/powerpoint/2010/main" val="3077501385"/>
       </p:ext>
     </p:extLst>
   </p:cSld>
@@ -2339,8 +2339,8 @@
         </p:nvSpPr>
         <p:spPr>
           <a:xfrm>
-            <a:off x="472381" y="564515"/>
-            <a:ext cx="2211884" cy="1975803"/>
+            <a:off x="472381" y="576051"/>
+            <a:ext cx="2211884" cy="2016178"/>
           </a:xfrm>
         </p:spPr>
         <p:txBody>
@@ -2371,8 +2371,8 @@
         </p:nvSpPr>
         <p:spPr>
           <a:xfrm>
-            <a:off x="2915543" y="1219197"/>
-            <a:ext cx="3471863" cy="6017573"/>
+            <a:off x="2915543" y="1244112"/>
+            <a:ext cx="3471863" cy="6140542"/>
           </a:xfrm>
         </p:spPr>
         <p:txBody>
@@ -2456,8 +2456,8 @@
         </p:nvSpPr>
         <p:spPr>
           <a:xfrm>
-            <a:off x="472381" y="2540318"/>
-            <a:ext cx="2211884" cy="4706252"/>
+            <a:off x="472381" y="2592229"/>
+            <a:ext cx="2211884" cy="4802425"/>
           </a:xfrm>
         </p:spPr>
         <p:txBody>
@@ -2525,7 +2525,7 @@
           <a:lstStyle/>
           <a:p>
             <a:fld id="{2A00A408-0677-9D41-8541-E3453844B1F4}" type="datetimeFigureOut">
-              <a:t>11.08.20</a:t>
+              <a:t>18.08.20</a:t>
             </a:fld>
             <a:endParaRPr lang="en-US"/>
           </a:p>
@@ -2576,7 +2576,7 @@
     </p:spTree>
     <p:extLst>
       <p:ext uri="{BB962C8B-B14F-4D97-AF65-F5344CB8AC3E}">
-        <p14:creationId xmlns:p14="http://schemas.microsoft.com/office/powerpoint/2010/main" val="1317379036"/>
+        <p14:creationId xmlns:p14="http://schemas.microsoft.com/office/powerpoint/2010/main" val="299990409"/>
       </p:ext>
     </p:extLst>
   </p:cSld>
@@ -2615,8 +2615,8 @@
         </p:nvSpPr>
         <p:spPr>
           <a:xfrm>
-            <a:off x="472381" y="564515"/>
-            <a:ext cx="2211884" cy="1975803"/>
+            <a:off x="472381" y="576051"/>
+            <a:ext cx="2211884" cy="2016178"/>
           </a:xfrm>
         </p:spPr>
         <p:txBody>
@@ -2647,8 +2647,8 @@
         </p:nvSpPr>
         <p:spPr>
           <a:xfrm>
-            <a:off x="2915543" y="1219197"/>
-            <a:ext cx="3471863" cy="6017573"/>
+            <a:off x="2915543" y="1244112"/>
+            <a:ext cx="3471863" cy="6140542"/>
           </a:xfrm>
         </p:spPr>
         <p:txBody>
@@ -2712,8 +2712,8 @@
         </p:nvSpPr>
         <p:spPr>
           <a:xfrm>
-            <a:off x="472381" y="2540318"/>
-            <a:ext cx="2211884" cy="4706252"/>
+            <a:off x="472381" y="2592229"/>
+            <a:ext cx="2211884" cy="4802425"/>
           </a:xfrm>
         </p:spPr>
         <p:txBody>
@@ -2781,7 +2781,7 @@
           <a:lstStyle/>
           <a:p>
             <a:fld id="{2A00A408-0677-9D41-8541-E3453844B1F4}" type="datetimeFigureOut">
-              <a:t>11.08.20</a:t>
+              <a:t>18.08.20</a:t>
             </a:fld>
             <a:endParaRPr lang="en-US"/>
           </a:p>
@@ -2832,7 +2832,7 @@
     </p:spTree>
     <p:extLst>
       <p:ext uri="{BB962C8B-B14F-4D97-AF65-F5344CB8AC3E}">
-        <p14:creationId xmlns:p14="http://schemas.microsoft.com/office/powerpoint/2010/main" val="3452157337"/>
+        <p14:creationId xmlns:p14="http://schemas.microsoft.com/office/powerpoint/2010/main" val="3713426417"/>
       </p:ext>
     </p:extLst>
   </p:cSld>
@@ -2876,8 +2876,8 @@
         </p:nvSpPr>
         <p:spPr>
           <a:xfrm>
-            <a:off x="471488" y="450830"/>
-            <a:ext cx="5915025" cy="1636702"/>
+            <a:off x="471488" y="460043"/>
+            <a:ext cx="5915025" cy="1670148"/>
           </a:xfrm>
           <a:prstGeom prst="rect">
             <a:avLst/>
@@ -2909,8 +2909,8 @@
         </p:nvSpPr>
         <p:spPr>
           <a:xfrm>
-            <a:off x="471488" y="2254140"/>
-            <a:ext cx="5915025" cy="5372694"/>
+            <a:off x="471488" y="2300203"/>
+            <a:ext cx="5915025" cy="5482485"/>
           </a:xfrm>
           <a:prstGeom prst="rect">
             <a:avLst/>
@@ -2971,8 +2971,8 @@
         </p:nvSpPr>
         <p:spPr>
           <a:xfrm>
-            <a:off x="471488" y="7848328"/>
-            <a:ext cx="1543050" cy="450828"/>
+            <a:off x="471488" y="8008709"/>
+            <a:ext cx="1543050" cy="460041"/>
           </a:xfrm>
           <a:prstGeom prst="rect">
             <a:avLst/>
@@ -2993,7 +2993,7 @@
           </a:lstStyle>
           <a:p>
             <a:fld id="{2A00A408-0677-9D41-8541-E3453844B1F4}" type="datetimeFigureOut">
-              <a:t>11.08.20</a:t>
+              <a:t>18.08.20</a:t>
             </a:fld>
             <a:endParaRPr lang="en-US"/>
           </a:p>
@@ -3011,8 +3011,8 @@
         </p:nvSpPr>
         <p:spPr>
           <a:xfrm>
-            <a:off x="2271713" y="7848328"/>
-            <a:ext cx="2314575" cy="450828"/>
+            <a:off x="2271713" y="8008709"/>
+            <a:ext cx="2314575" cy="460041"/>
           </a:xfrm>
           <a:prstGeom prst="rect">
             <a:avLst/>
@@ -3048,8 +3048,8 @@
         </p:nvSpPr>
         <p:spPr>
           <a:xfrm>
-            <a:off x="4843463" y="7848328"/>
-            <a:ext cx="1543050" cy="450828"/>
+            <a:off x="4843463" y="8008709"/>
+            <a:ext cx="1543050" cy="460041"/>
           </a:xfrm>
           <a:prstGeom prst="rect">
             <a:avLst/>
@@ -3080,23 +3080,23 @@
     </p:spTree>
     <p:extLst>
       <p:ext uri="{BB962C8B-B14F-4D97-AF65-F5344CB8AC3E}">
-        <p14:creationId xmlns:p14="http://schemas.microsoft.com/office/powerpoint/2010/main" val="3237081801"/>
+        <p14:creationId xmlns:p14="http://schemas.microsoft.com/office/powerpoint/2010/main" val="3505268134"/>
       </p:ext>
     </p:extLst>
   </p:cSld>
   <p:clrMap bg1="lt1" tx1="dk1" bg2="lt2" tx2="dk2" accent1="accent1" accent2="accent2" accent3="accent3" accent4="accent4" accent5="accent5" accent6="accent6" hlink="hlink" folHlink="folHlink"/>
   <p:sldLayoutIdLst>
-    <p:sldLayoutId id="2147483673" r:id="rId1"/>
-    <p:sldLayoutId id="2147483674" r:id="rId2"/>
-    <p:sldLayoutId id="2147483675" r:id="rId3"/>
-    <p:sldLayoutId id="2147483676" r:id="rId4"/>
-    <p:sldLayoutId id="2147483677" r:id="rId5"/>
-    <p:sldLayoutId id="2147483678" r:id="rId6"/>
-    <p:sldLayoutId id="2147483679" r:id="rId7"/>
-    <p:sldLayoutId id="2147483680" r:id="rId8"/>
-    <p:sldLayoutId id="2147483681" r:id="rId9"/>
-    <p:sldLayoutId id="2147483682" r:id="rId10"/>
-    <p:sldLayoutId id="2147483683" r:id="rId11"/>
+    <p:sldLayoutId id="2147483685" r:id="rId1"/>
+    <p:sldLayoutId id="2147483686" r:id="rId2"/>
+    <p:sldLayoutId id="2147483687" r:id="rId3"/>
+    <p:sldLayoutId id="2147483688" r:id="rId4"/>
+    <p:sldLayoutId id="2147483689" r:id="rId5"/>
+    <p:sldLayoutId id="2147483690" r:id="rId6"/>
+    <p:sldLayoutId id="2147483691" r:id="rId7"/>
+    <p:sldLayoutId id="2147483692" r:id="rId8"/>
+    <p:sldLayoutId id="2147483693" r:id="rId9"/>
+    <p:sldLayoutId id="2147483694" r:id="rId10"/>
+    <p:sldLayoutId id="2147483695" r:id="rId11"/>
   </p:sldLayoutIdLst>
   <p:txStyles>
     <p:titleStyle>
@@ -3412,7 +3412,7 @@
         </p:nvSpPr>
         <p:spPr>
           <a:xfrm>
-            <a:off x="88167" y="3219251"/>
+            <a:off x="88167" y="3305770"/>
             <a:ext cx="385654" cy="215444"/>
           </a:xfrm>
           <a:prstGeom prst="rect">
@@ -3453,13 +3453,13 @@
           <p:nvPr>
             <p:extLst>
               <p:ext uri="{D42A27DB-BD31-4B8C-83A1-F6EECF244321}">
-                <p14:modId xmlns:p14="http://schemas.microsoft.com/office/powerpoint/2010/main" val="195200583"/>
+                <p14:modId xmlns:p14="http://schemas.microsoft.com/office/powerpoint/2010/main" val="3933547133"/>
               </p:ext>
             </p:extLst>
           </p:nvPr>
         </p:nvGraphicFramePr>
         <p:xfrm>
-          <a:off x="3462870" y="5781915"/>
+          <a:off x="3462871" y="5868434"/>
           <a:ext cx="3284543" cy="1183272"/>
         </p:xfrm>
         <a:graphic>
@@ -3911,7 +3911,7 @@
                           <a:ea typeface="Consolas" charset="0"/>
                           <a:cs typeface="Consolas" charset="0"/>
                         </a:rPr>
-                        <a:t>8</a:t>
+                        <a:t>7</a:t>
                       </a:r>
                     </a:p>
                   </a:txBody>
@@ -4005,7 +4005,7 @@
         </p:nvSpPr>
         <p:spPr>
           <a:xfrm>
-            <a:off x="129733" y="43296"/>
+            <a:off x="129734" y="15465"/>
             <a:ext cx="6558729" cy="246221"/>
           </a:xfrm>
           <a:prstGeom prst="rect">
@@ -4045,7 +4045,7 @@
         </p:nvSpPr>
         <p:spPr>
           <a:xfrm>
-            <a:off x="88167" y="43295"/>
+            <a:off x="88167" y="31338"/>
             <a:ext cx="385654" cy="215444"/>
           </a:xfrm>
           <a:prstGeom prst="rect">
@@ -4086,13 +4086,13 @@
           <p:nvPr>
             <p:extLst>
               <p:ext uri="{D42A27DB-BD31-4B8C-83A1-F6EECF244321}">
-                <p14:modId xmlns:p14="http://schemas.microsoft.com/office/powerpoint/2010/main" val="998274786"/>
+                <p14:modId xmlns:p14="http://schemas.microsoft.com/office/powerpoint/2010/main" val="1138801223"/>
               </p:ext>
             </p:extLst>
           </p:nvPr>
         </p:nvGraphicFramePr>
         <p:xfrm>
-          <a:off x="129735" y="3437821"/>
+          <a:off x="129736" y="3524340"/>
           <a:ext cx="6562597" cy="1842140"/>
         </p:xfrm>
         <a:graphic>
@@ -4566,7 +4566,7 @@
                           <a:ea typeface="Consolas" charset="0"/>
                           <a:cs typeface="Consolas" charset="0"/>
                         </a:rPr>
-                        <a:t>8</a:t>
+                        <a:t>7</a:t>
                       </a:r>
                     </a:p>
                   </a:txBody>
@@ -4666,7 +4666,7 @@
         </p:nvSpPr>
         <p:spPr>
           <a:xfrm>
-            <a:off x="129729" y="3221939"/>
+            <a:off x="129729" y="3297617"/>
             <a:ext cx="6562598" cy="246221"/>
           </a:xfrm>
           <a:prstGeom prst="rect">
@@ -4701,13 +4701,13 @@
           <p:nvPr>
             <p:extLst>
               <p:ext uri="{D42A27DB-BD31-4B8C-83A1-F6EECF244321}">
-                <p14:modId xmlns:p14="http://schemas.microsoft.com/office/powerpoint/2010/main" val="4051661643"/>
+                <p14:modId xmlns:p14="http://schemas.microsoft.com/office/powerpoint/2010/main" val="3486322282"/>
               </p:ext>
             </p:extLst>
           </p:nvPr>
         </p:nvGraphicFramePr>
         <p:xfrm>
-          <a:off x="129732" y="247468"/>
+          <a:off x="129732" y="235511"/>
           <a:ext cx="6478060" cy="2798452"/>
         </p:xfrm>
         <a:graphic>
@@ -5224,7 +5224,7 @@
                           <a:ea typeface="Consolas" charset="0"/>
                           <a:cs typeface="Consolas" charset="0"/>
                         </a:rPr>
-                        <a:t>7</a:t>
+                        <a:t>5</a:t>
                       </a:r>
                     </a:p>
                   </a:txBody>
@@ -5322,7 +5322,7 @@
                           <a:ea typeface="Consolas" charset="0"/>
                           <a:cs typeface="Consolas" charset="0"/>
                         </a:rPr>
-                        <a:t>8</a:t>
+                        <a:t>6</a:t>
                       </a:r>
                     </a:p>
                   </a:txBody>
@@ -5420,7 +5420,7 @@
                           <a:ea typeface="Consolas" charset="0"/>
                           <a:cs typeface="Consolas" charset="0"/>
                         </a:rPr>
-                        <a:t>9</a:t>
+                        <a:t>7</a:t>
                       </a:r>
                     </a:p>
                   </a:txBody>
@@ -5533,7 +5533,7 @@
         </p:nvSpPr>
         <p:spPr>
           <a:xfrm>
-            <a:off x="129733" y="42858"/>
+            <a:off x="129734" y="30902"/>
             <a:ext cx="6558729" cy="3002087"/>
           </a:xfrm>
           <a:prstGeom prst="rect">
@@ -5579,8 +5579,8 @@
         </p:nvSpPr>
         <p:spPr>
           <a:xfrm>
-            <a:off x="440651" y="247468"/>
-            <a:ext cx="6247813" cy="2797478"/>
+            <a:off x="434302" y="235511"/>
+            <a:ext cx="6254157" cy="2797478"/>
           </a:xfrm>
           <a:prstGeom prst="rect">
             <a:avLst/>
@@ -5642,7 +5642,7 @@
         </p:nvSpPr>
         <p:spPr>
           <a:xfrm>
-            <a:off x="129735" y="3217183"/>
+            <a:off x="129735" y="3303702"/>
             <a:ext cx="6562602" cy="2110028"/>
           </a:xfrm>
           <a:prstGeom prst="rect">
@@ -5694,7 +5694,7 @@
         </p:nvSpPr>
         <p:spPr>
           <a:xfrm>
-            <a:off x="437447" y="3429017"/>
+            <a:off x="434272" y="3515537"/>
             <a:ext cx="6254884" cy="1898193"/>
           </a:xfrm>
           <a:prstGeom prst="rect">
@@ -5759,7 +5759,7 @@
         </p:nvCxnSpPr>
         <p:spPr>
           <a:xfrm>
-            <a:off x="2243238" y="3429018"/>
+            <a:off x="2243239" y="3515537"/>
             <a:ext cx="238445" cy="0"/>
           </a:xfrm>
           <a:prstGeom prst="line">
@@ -5801,13 +5801,13 @@
           <p:nvPr>
             <p:extLst>
               <p:ext uri="{D42A27DB-BD31-4B8C-83A1-F6EECF244321}">
-                <p14:modId xmlns:p14="http://schemas.microsoft.com/office/powerpoint/2010/main" val="2608137513"/>
+                <p14:modId xmlns:p14="http://schemas.microsoft.com/office/powerpoint/2010/main" val="1941786506"/>
               </p:ext>
             </p:extLst>
           </p:nvPr>
         </p:nvGraphicFramePr>
         <p:xfrm>
-          <a:off x="177462" y="5794468"/>
+          <a:off x="177462" y="5880987"/>
           <a:ext cx="2920814" cy="1110620"/>
         </p:xfrm>
         <a:graphic>
@@ -6259,7 +6259,7 @@
                           <a:ea typeface="Consolas" charset="0"/>
                           <a:cs typeface="Consolas" charset="0"/>
                         </a:rPr>
-                        <a:t>8</a:t>
+                        <a:t>7</a:t>
                       </a:r>
                     </a:p>
                   </a:txBody>
@@ -6363,14 +6363,14 @@
           <p:nvPr>
             <p:extLst>
               <p:ext uri="{D42A27DB-BD31-4B8C-83A1-F6EECF244321}">
-                <p14:modId xmlns:p14="http://schemas.microsoft.com/office/powerpoint/2010/main" val="3189665005"/>
+                <p14:modId xmlns:p14="http://schemas.microsoft.com/office/powerpoint/2010/main" val="1484649640"/>
               </p:ext>
             </p:extLst>
           </p:nvPr>
         </p:nvGraphicFramePr>
         <p:xfrm>
-          <a:off x="527257" y="7412473"/>
-          <a:ext cx="2521291" cy="869658"/>
+          <a:off x="527258" y="7555264"/>
+          <a:ext cx="2521291" cy="1011954"/>
         </p:xfrm>
         <a:graphic>
           <a:graphicData uri="http://schemas.openxmlformats.org/drawingml/2006/table">
@@ -6379,14 +6379,14 @@
                 <a:tableStyleId>{5C22544A-7EE6-4342-B048-85BDC9FD1C3A}</a:tableStyleId>
               </a:tblPr>
               <a:tblGrid>
-                <a:gridCol w="362504">
+                <a:gridCol w="286781">
                   <a:extLst>
                     <a:ext uri="{9D8B030D-6E8A-4147-A177-3AD203B41FA5}">
                       <a16:colId xmlns:a16="http://schemas.microsoft.com/office/drawing/2014/main" val="20000"/>
                     </a:ext>
                   </a:extLst>
                 </a:gridCol>
-                <a:gridCol w="2158787">
+                <a:gridCol w="2234510">
                   <a:extLst>
                     <a:ext uri="{9D8B030D-6E8A-4147-A177-3AD203B41FA5}">
                       <a16:colId xmlns:a16="http://schemas.microsoft.com/office/drawing/2014/main" val="20001"/>
@@ -6394,7 +6394,7 @@
                   </a:extLst>
                 </a:gridCol>
               </a:tblGrid>
-              <a:tr h="169271">
+              <a:tr h="201721">
                 <a:tc>
                   <a:txBody>
                     <a:bodyPr/>
@@ -6487,7 +6487,7 @@
                   </a:ext>
                 </a:extLst>
               </a:tr>
-              <a:tr h="169271">
+              <a:tr h="201721">
                 <a:tc>
                   <a:txBody>
                     <a:bodyPr/>
@@ -6580,7 +6580,7 @@
                   </a:ext>
                 </a:extLst>
               </a:tr>
-              <a:tr h="169271">
+              <a:tr h="201721">
                 <a:tc>
                   <a:txBody>
                     <a:bodyPr/>
@@ -6673,7 +6673,7 @@
                   </a:ext>
                 </a:extLst>
               </a:tr>
-              <a:tr h="176234">
+              <a:tr h="205070">
                 <a:tc>
                   <a:txBody>
                     <a:bodyPr/>
@@ -6766,7 +6766,7 @@
                   </a:ext>
                 </a:extLst>
               </a:tr>
-              <a:tr h="169271">
+              <a:tr h="201721">
                 <a:tc>
                   <a:txBody>
                     <a:bodyPr/>
@@ -6782,7 +6782,7 @@
                           <a:ea typeface="Consolas" charset="0"/>
                           <a:cs typeface="Consolas" charset="0"/>
                         </a:rPr>
-                        <a:t>8</a:t>
+                        <a:t>7</a:t>
                       </a:r>
                     </a:p>
                   </a:txBody>
@@ -6874,13 +6874,12 @@
           </p:cNvPr>
           <p:cNvCxnSpPr>
             <a:cxnSpLocks/>
-            <a:endCxn id="56" idx="0"/>
           </p:cNvCxnSpPr>
           <p:nvPr/>
         </p:nvCxnSpPr>
         <p:spPr>
           <a:xfrm>
-            <a:off x="5080209" y="5327210"/>
+            <a:off x="5080209" y="5406502"/>
             <a:ext cx="0" cy="249919"/>
           </a:xfrm>
           <a:prstGeom prst="straightConnector1">
@@ -6921,7 +6920,7 @@
         </p:nvCxnSpPr>
         <p:spPr>
           <a:xfrm flipH="1">
-            <a:off x="132934" y="245629"/>
+            <a:off x="132934" y="233673"/>
             <a:ext cx="307718" cy="1543"/>
           </a:xfrm>
           <a:prstGeom prst="line">
@@ -6964,7 +6963,7 @@
         </p:nvCxnSpPr>
         <p:spPr>
           <a:xfrm flipH="1">
-            <a:off x="127079" y="3429694"/>
+            <a:off x="127079" y="3516214"/>
             <a:ext cx="307718" cy="1543"/>
           </a:xfrm>
           <a:prstGeom prst="line">
@@ -7007,7 +7006,7 @@
         </p:nvCxnSpPr>
         <p:spPr>
           <a:xfrm flipV="1">
-            <a:off x="435296" y="49337"/>
+            <a:off x="435297" y="37381"/>
             <a:ext cx="1" cy="191543"/>
           </a:xfrm>
           <a:prstGeom prst="line">
@@ -7050,8 +7049,8 @@
         </p:nvCxnSpPr>
         <p:spPr>
           <a:xfrm flipV="1">
-            <a:off x="435295" y="3227670"/>
-            <a:ext cx="1" cy="210697"/>
+            <a:off x="435296" y="3303655"/>
+            <a:ext cx="1" cy="231767"/>
           </a:xfrm>
           <a:prstGeom prst="line">
             <a:avLst/>
@@ -7091,7 +7090,7 @@
         </p:nvSpPr>
         <p:spPr>
           <a:xfrm>
-            <a:off x="3437937" y="5577129"/>
+            <a:off x="3437938" y="5634737"/>
             <a:ext cx="3284543" cy="246221"/>
           </a:xfrm>
           <a:prstGeom prst="rect">
@@ -7131,7 +7130,7 @@
         </p:nvSpPr>
         <p:spPr>
           <a:xfrm>
-            <a:off x="3437945" y="5572372"/>
+            <a:off x="3437946" y="5658892"/>
             <a:ext cx="3284545" cy="1399765"/>
           </a:xfrm>
           <a:prstGeom prst="rect">
@@ -7183,8 +7182,8 @@
         </p:nvSpPr>
         <p:spPr>
           <a:xfrm>
-            <a:off x="3740519" y="5784209"/>
-            <a:ext cx="2981965" cy="1187928"/>
+            <a:off x="3740520" y="5862280"/>
+            <a:ext cx="2981965" cy="1196376"/>
           </a:xfrm>
           <a:prstGeom prst="rect">
             <a:avLst/>
@@ -7246,7 +7245,7 @@
         </p:nvSpPr>
         <p:spPr>
           <a:xfrm>
-            <a:off x="129095" y="5568765"/>
+            <a:off x="129095" y="5655284"/>
             <a:ext cx="385654" cy="215444"/>
           </a:xfrm>
           <a:prstGeom prst="rect">
@@ -7286,7 +7285,7 @@
         </p:nvSpPr>
         <p:spPr>
           <a:xfrm>
-            <a:off x="174812" y="5579644"/>
+            <a:off x="174813" y="5640866"/>
             <a:ext cx="2920815" cy="246221"/>
           </a:xfrm>
           <a:prstGeom prst="rect">
@@ -7326,7 +7325,7 @@
         </p:nvSpPr>
         <p:spPr>
           <a:xfrm>
-            <a:off x="163789" y="5574887"/>
+            <a:off x="163789" y="5661407"/>
             <a:ext cx="2931848" cy="1402853"/>
           </a:xfrm>
           <a:prstGeom prst="rect">
@@ -7378,7 +7377,7 @@
         </p:nvSpPr>
         <p:spPr>
           <a:xfrm>
-            <a:off x="475724" y="5786724"/>
+            <a:off x="475725" y="5873244"/>
             <a:ext cx="2619907" cy="1192995"/>
           </a:xfrm>
           <a:prstGeom prst="rect">
@@ -7443,7 +7442,7 @@
         </p:nvCxnSpPr>
         <p:spPr>
           <a:xfrm flipH="1">
-            <a:off x="168007" y="5786188"/>
+            <a:off x="168007" y="5872708"/>
             <a:ext cx="307718" cy="1543"/>
           </a:xfrm>
           <a:prstGeom prst="line">
@@ -7486,7 +7485,7 @@
         </p:nvCxnSpPr>
         <p:spPr>
           <a:xfrm flipV="1">
-            <a:off x="475725" y="5577184"/>
+            <a:off x="475726" y="5663704"/>
             <a:ext cx="1" cy="210697"/>
           </a:xfrm>
           <a:prstGeom prst="line">
@@ -7527,7 +7526,7 @@
         </p:nvSpPr>
         <p:spPr>
           <a:xfrm>
-            <a:off x="473180" y="7193357"/>
+            <a:off x="473180" y="7336148"/>
             <a:ext cx="385654" cy="215444"/>
           </a:xfrm>
           <a:prstGeom prst="rect">
@@ -7567,7 +7566,7 @@
         </p:nvSpPr>
         <p:spPr>
           <a:xfrm>
-            <a:off x="514743" y="7196046"/>
+            <a:off x="514744" y="7320768"/>
             <a:ext cx="2533799" cy="246221"/>
           </a:xfrm>
           <a:prstGeom prst="rect">
@@ -7607,7 +7606,7 @@
         </p:nvSpPr>
         <p:spPr>
           <a:xfrm>
-            <a:off x="514749" y="7191289"/>
+            <a:off x="514750" y="7334080"/>
             <a:ext cx="2533799" cy="1234426"/>
           </a:xfrm>
           <a:prstGeom prst="rect">
@@ -7659,7 +7658,7 @@
         </p:nvSpPr>
         <p:spPr>
           <a:xfrm>
-            <a:off x="828824" y="7403125"/>
+            <a:off x="828825" y="7545917"/>
             <a:ext cx="2219725" cy="1022591"/>
           </a:xfrm>
           <a:prstGeom prst="rect">
@@ -7724,7 +7723,7 @@
         </p:nvCxnSpPr>
         <p:spPr>
           <a:xfrm flipH="1">
-            <a:off x="512092" y="7403800"/>
+            <a:off x="512092" y="7546592"/>
             <a:ext cx="307718" cy="1543"/>
           </a:xfrm>
           <a:prstGeom prst="line">
@@ -7767,8 +7766,8 @@
         </p:nvCxnSpPr>
         <p:spPr>
           <a:xfrm flipV="1">
-            <a:off x="827625" y="7201776"/>
-            <a:ext cx="1" cy="210697"/>
+            <a:off x="827626" y="7334033"/>
+            <a:ext cx="1" cy="231767"/>
           </a:xfrm>
           <a:prstGeom prst="line">
             <a:avLst/>
@@ -7810,8 +7809,8 @@
         </p:nvCxnSpPr>
         <p:spPr>
           <a:xfrm>
-            <a:off x="3450771" y="3048000"/>
-            <a:ext cx="3163" cy="170704"/>
+            <a:off x="3450772" y="3029365"/>
+            <a:ext cx="3163" cy="274920"/>
           </a:xfrm>
           <a:prstGeom prst="straightConnector1">
             <a:avLst/>
@@ -7851,7 +7850,7 @@
         </p:nvCxnSpPr>
         <p:spPr>
           <a:xfrm flipH="1">
-            <a:off x="3092208" y="6134283"/>
+            <a:off x="3092208" y="6220802"/>
             <a:ext cx="331650" cy="278"/>
           </a:xfrm>
           <a:prstGeom prst="straightConnector1">
@@ -7892,8 +7891,8 @@
         </p:nvCxnSpPr>
         <p:spPr>
           <a:xfrm>
-            <a:off x="1738059" y="6984327"/>
-            <a:ext cx="0" cy="209223"/>
+            <a:off x="1738059" y="7068756"/>
+            <a:ext cx="0" cy="253160"/>
           </a:xfrm>
           <a:prstGeom prst="straightConnector1">
             <a:avLst/>
@@ -7931,7 +7930,7 @@
         </p:nvSpPr>
         <p:spPr>
           <a:xfrm>
-            <a:off x="3393889" y="5575397"/>
+            <a:off x="3393889" y="5661916"/>
             <a:ext cx="385654" cy="215444"/>
           </a:xfrm>
           <a:prstGeom prst="rect">
@@ -7973,7 +7972,7 @@
         </p:nvCxnSpPr>
         <p:spPr>
           <a:xfrm flipH="1">
-            <a:off x="3432801" y="5774954"/>
+            <a:off x="3432801" y="5861474"/>
             <a:ext cx="307718" cy="1543"/>
           </a:xfrm>
           <a:prstGeom prst="line">
@@ -8016,7 +8015,7 @@
         </p:nvCxnSpPr>
         <p:spPr>
           <a:xfrm flipV="1">
-            <a:off x="3740519" y="5576836"/>
+            <a:off x="3740520" y="5663356"/>
             <a:ext cx="1" cy="210697"/>
           </a:xfrm>
           <a:prstGeom prst="line">
@@ -8043,6 +8042,146 @@
           </a:fontRef>
         </p:style>
       </p:cxnSp>
+      <p:sp>
+        <p:nvSpPr>
+          <p:cNvPr id="2" name="TextBox 1">
+            <a:extLst>
+              <a:ext uri="{FF2B5EF4-FFF2-40B4-BE49-F238E27FC236}">
+                <a16:creationId xmlns:a16="http://schemas.microsoft.com/office/drawing/2014/main" id="{6500D4E9-0D56-CD40-80C3-9B85F7C7269F}"/>
+              </a:ext>
+            </a:extLst>
+          </p:cNvPr>
+          <p:cNvSpPr txBox="1"/>
+          <p:nvPr/>
+        </p:nvSpPr>
+        <p:spPr>
+          <a:xfrm>
+            <a:off x="3474721" y="3010183"/>
+            <a:ext cx="385654" cy="307777"/>
+          </a:xfrm>
+          <a:prstGeom prst="rect">
+            <a:avLst/>
+          </a:prstGeom>
+          <a:noFill/>
+        </p:spPr>
+        <p:txBody>
+          <a:bodyPr wrap="square" rtlCol="0">
+            <a:spAutoFit/>
+          </a:bodyPr>
+          <a:lstStyle/>
+          <a:p>
+            <a:r>
+              <a:rPr lang="de-DE" sz="1400"/>
+              <a:t>1)</a:t>
+            </a:r>
+          </a:p>
+        </p:txBody>
+      </p:sp>
+      <p:sp>
+        <p:nvSpPr>
+          <p:cNvPr id="55" name="TextBox 54">
+            <a:extLst>
+              <a:ext uri="{FF2B5EF4-FFF2-40B4-BE49-F238E27FC236}">
+                <a16:creationId xmlns:a16="http://schemas.microsoft.com/office/drawing/2014/main" id="{2E725FA0-531E-D943-92DE-F7CF42BF2DCC}"/>
+              </a:ext>
+            </a:extLst>
+          </p:cNvPr>
+          <p:cNvSpPr txBox="1"/>
+          <p:nvPr/>
+        </p:nvSpPr>
+        <p:spPr>
+          <a:xfrm>
+            <a:off x="5104229" y="5370685"/>
+            <a:ext cx="385654" cy="307777"/>
+          </a:xfrm>
+          <a:prstGeom prst="rect">
+            <a:avLst/>
+          </a:prstGeom>
+          <a:noFill/>
+        </p:spPr>
+        <p:txBody>
+          <a:bodyPr wrap="square" rtlCol="0">
+            <a:spAutoFit/>
+          </a:bodyPr>
+          <a:lstStyle/>
+          <a:p>
+            <a:r>
+              <a:rPr lang="de-DE" sz="1400"/>
+              <a:t>2)</a:t>
+            </a:r>
+          </a:p>
+        </p:txBody>
+      </p:sp>
+      <p:sp>
+        <p:nvSpPr>
+          <p:cNvPr id="58" name="TextBox 57">
+            <a:extLst>
+              <a:ext uri="{FF2B5EF4-FFF2-40B4-BE49-F238E27FC236}">
+                <a16:creationId xmlns:a16="http://schemas.microsoft.com/office/drawing/2014/main" id="{E1176BBD-F17D-EB4A-97F5-7A2F4EE082B2}"/>
+              </a:ext>
+            </a:extLst>
+          </p:cNvPr>
+          <p:cNvSpPr txBox="1"/>
+          <p:nvPr/>
+        </p:nvSpPr>
+        <p:spPr>
+          <a:xfrm>
+            <a:off x="3121668" y="5863728"/>
+            <a:ext cx="385654" cy="307777"/>
+          </a:xfrm>
+          <a:prstGeom prst="rect">
+            <a:avLst/>
+          </a:prstGeom>
+          <a:noFill/>
+        </p:spPr>
+        <p:txBody>
+          <a:bodyPr wrap="square" rtlCol="0">
+            <a:spAutoFit/>
+          </a:bodyPr>
+          <a:lstStyle/>
+          <a:p>
+            <a:r>
+              <a:rPr lang="de-DE" sz="1400"/>
+              <a:t>3)</a:t>
+            </a:r>
+          </a:p>
+        </p:txBody>
+      </p:sp>
+      <p:sp>
+        <p:nvSpPr>
+          <p:cNvPr id="60" name="TextBox 59">
+            <a:extLst>
+              <a:ext uri="{FF2B5EF4-FFF2-40B4-BE49-F238E27FC236}">
+                <a16:creationId xmlns:a16="http://schemas.microsoft.com/office/drawing/2014/main" id="{57B30A1F-A342-B443-A906-087BB15D8866}"/>
+              </a:ext>
+            </a:extLst>
+          </p:cNvPr>
+          <p:cNvSpPr txBox="1"/>
+          <p:nvPr/>
+        </p:nvSpPr>
+        <p:spPr>
+          <a:xfrm>
+            <a:off x="1770186" y="7038074"/>
+            <a:ext cx="385654" cy="307777"/>
+          </a:xfrm>
+          <a:prstGeom prst="rect">
+            <a:avLst/>
+          </a:prstGeom>
+          <a:noFill/>
+        </p:spPr>
+        <p:txBody>
+          <a:bodyPr wrap="square" rtlCol="0">
+            <a:spAutoFit/>
+          </a:bodyPr>
+          <a:lstStyle/>
+          <a:p>
+            <a:r>
+              <a:rPr lang="de-DE" sz="1400"/>
+              <a:t>4)</a:t>
+            </a:r>
+          </a:p>
+        </p:txBody>
+      </p:sp>
     </p:spTree>
     <p:extLst>
       <p:ext uri="{BB962C8B-B14F-4D97-AF65-F5344CB8AC3E}">
